--- a/documentation/Mockups/powerpoint-pdf-mocks/user-view.pptx
+++ b/documentation/Mockups/powerpoint-pdf-mocks/user-view.pptx
@@ -6,7 +6,6 @@
   </p:sldMasterIdLst>
   <p:sldIdLst>
     <p:sldId id="256" r:id="rId2"/>
-    <p:sldId id="257" r:id="rId3"/>
   </p:sldIdLst>
   <p:sldSz cx="12192000" cy="6858000"/>
   <p:notesSz cx="6858000" cy="9144000"/>
@@ -105,6 +104,11 @@
       </a:defRPr>
     </a:lvl9pPr>
   </p:defaultTextStyle>
+  <p:extLst>
+    <p:ext uri="{EFAFB233-063F-42B5-8137-9DF3F51BA10A}">
+      <p15:sldGuideLst xmlns:p15="http://schemas.microsoft.com/office/powerpoint/2012/main"/>
+    </p:ext>
+  </p:extLst>
 </p:presentation>
 </file>
 
@@ -3379,200 +3383,6 @@
           </a:p>
         </p:txBody>
       </p:sp>
-      <p:grpSp>
-        <p:nvGrpSpPr>
-          <p:cNvPr id="33" name="Group 32">
-            <a:extLst>
-              <a:ext uri="{FF2B5EF4-FFF2-40B4-BE49-F238E27FC236}">
-                <a16:creationId xmlns:a16="http://schemas.microsoft.com/office/drawing/2014/main" id="{FD1DF955-E266-40E6-BC92-0C731CDCC37B}"/>
-              </a:ext>
-            </a:extLst>
-          </p:cNvPr>
-          <p:cNvGrpSpPr/>
-          <p:nvPr/>
-        </p:nvGrpSpPr>
-        <p:grpSpPr>
-          <a:xfrm>
-            <a:off x="444176" y="127058"/>
-            <a:ext cx="1348038" cy="369332"/>
-            <a:chOff x="894899" y="140748"/>
-            <a:chExt cx="1348038" cy="369332"/>
-          </a:xfrm>
-        </p:grpSpPr>
-        <p:sp>
-          <p:nvSpPr>
-            <p:cNvPr id="6" name="TextBox 5">
-              <a:extLst>
-                <a:ext uri="{FF2B5EF4-FFF2-40B4-BE49-F238E27FC236}">
-                  <a16:creationId xmlns:a16="http://schemas.microsoft.com/office/drawing/2014/main" id="{4716D398-4BC0-4AE2-A35D-24E82EC1AA0F}"/>
-                </a:ext>
-              </a:extLst>
-            </p:cNvPr>
-            <p:cNvSpPr txBox="1"/>
-            <p:nvPr/>
-          </p:nvSpPr>
-          <p:spPr>
-            <a:xfrm>
-              <a:off x="1238638" y="140748"/>
-              <a:ext cx="1004299" cy="369332"/>
-            </a:xfrm>
-            <a:prstGeom prst="rect">
-              <a:avLst/>
-            </a:prstGeom>
-            <a:noFill/>
-          </p:spPr>
-          <p:txBody>
-            <a:bodyPr wrap="square" rtlCol="0">
-              <a:spAutoFit/>
-            </a:bodyPr>
-            <a:lstStyle/>
-            <a:p>
-              <a:r>
-                <a:rPr lang="en-US" dirty="0">
-                  <a:solidFill>
-                    <a:srgbClr val="BFA458"/>
-                  </a:solidFill>
-                  <a:latin typeface="Arial Black" panose="020B0A04020102020204" pitchFamily="34" charset="0"/>
-                  <a:cs typeface="Aharoni" panose="02010803020104030203" pitchFamily="2" charset="-79"/>
-                </a:rPr>
-                <a:t>HOME</a:t>
-              </a:r>
-            </a:p>
-          </p:txBody>
-        </p:sp>
-        <p:grpSp>
-          <p:nvGrpSpPr>
-            <p:cNvPr id="9" name="Group 8">
-              <a:extLst>
-                <a:ext uri="{FF2B5EF4-FFF2-40B4-BE49-F238E27FC236}">
-                  <a16:creationId xmlns:a16="http://schemas.microsoft.com/office/drawing/2014/main" id="{E84EF874-E483-4DCA-9B1F-A4B9EB133676}"/>
-                </a:ext>
-              </a:extLst>
-            </p:cNvPr>
-            <p:cNvGrpSpPr/>
-            <p:nvPr/>
-          </p:nvGrpSpPr>
-          <p:grpSpPr>
-            <a:xfrm>
-              <a:off x="894899" y="162095"/>
-              <a:ext cx="247386" cy="276106"/>
-              <a:chOff x="1213658" y="1770611"/>
-              <a:chExt cx="340822" cy="399010"/>
-            </a:xfrm>
-            <a:solidFill>
-              <a:srgbClr val="BFA458"/>
-            </a:solidFill>
-          </p:grpSpPr>
-          <p:sp>
-            <p:nvSpPr>
-              <p:cNvPr id="7" name="Flowchart: Extract 6">
-                <a:extLst>
-                  <a:ext uri="{FF2B5EF4-FFF2-40B4-BE49-F238E27FC236}">
-                    <a16:creationId xmlns:a16="http://schemas.microsoft.com/office/drawing/2014/main" id="{CC23AC4C-3F82-465C-9941-6FDE941E16BA}"/>
-                  </a:ext>
-                </a:extLst>
-              </p:cNvPr>
-              <p:cNvSpPr/>
-              <p:nvPr/>
-            </p:nvSpPr>
-            <p:spPr>
-              <a:xfrm>
-                <a:off x="1213658" y="1770611"/>
-                <a:ext cx="340822" cy="199505"/>
-              </a:xfrm>
-              <a:prstGeom prst="flowChartExtract">
-                <a:avLst/>
-              </a:prstGeom>
-              <a:grpFill/>
-              <a:ln>
-                <a:solidFill>
-                  <a:schemeClr val="bg1">
-                    <a:lumMod val="85000"/>
-                  </a:schemeClr>
-                </a:solidFill>
-              </a:ln>
-            </p:spPr>
-            <p:style>
-              <a:lnRef idx="2">
-                <a:schemeClr val="accent1">
-                  <a:shade val="50000"/>
-                </a:schemeClr>
-              </a:lnRef>
-              <a:fillRef idx="1">
-                <a:schemeClr val="accent1"/>
-              </a:fillRef>
-              <a:effectRef idx="0">
-                <a:schemeClr val="accent1"/>
-              </a:effectRef>
-              <a:fontRef idx="minor">
-                <a:schemeClr val="lt1"/>
-              </a:fontRef>
-            </p:style>
-            <p:txBody>
-              <a:bodyPr rtlCol="0" anchor="ctr"/>
-              <a:lstStyle/>
-              <a:p>
-                <a:pPr algn="ctr"/>
-                <a:endParaRPr lang="en-US"/>
-              </a:p>
-            </p:txBody>
-          </p:sp>
-          <p:sp>
-            <p:nvSpPr>
-              <p:cNvPr id="8" name="Rectangle 7">
-                <a:extLst>
-                  <a:ext uri="{FF2B5EF4-FFF2-40B4-BE49-F238E27FC236}">
-                    <a16:creationId xmlns:a16="http://schemas.microsoft.com/office/drawing/2014/main" id="{61DFE9FB-1892-4743-B7E8-11C676F721CF}"/>
-                  </a:ext>
-                </a:extLst>
-              </p:cNvPr>
-              <p:cNvSpPr/>
-              <p:nvPr/>
-            </p:nvSpPr>
-            <p:spPr>
-              <a:xfrm>
-                <a:off x="1213658" y="1970116"/>
-                <a:ext cx="340822" cy="199505"/>
-              </a:xfrm>
-              <a:prstGeom prst="rect">
-                <a:avLst/>
-              </a:prstGeom>
-              <a:grpFill/>
-              <a:ln>
-                <a:solidFill>
-                  <a:schemeClr val="bg1">
-                    <a:lumMod val="85000"/>
-                  </a:schemeClr>
-                </a:solidFill>
-              </a:ln>
-            </p:spPr>
-            <p:style>
-              <a:lnRef idx="2">
-                <a:schemeClr val="accent1">
-                  <a:shade val="50000"/>
-                </a:schemeClr>
-              </a:lnRef>
-              <a:fillRef idx="1">
-                <a:schemeClr val="accent1"/>
-              </a:fillRef>
-              <a:effectRef idx="0">
-                <a:schemeClr val="accent1"/>
-              </a:effectRef>
-              <a:fontRef idx="minor">
-                <a:schemeClr val="lt1"/>
-              </a:fontRef>
-            </p:style>
-            <p:txBody>
-              <a:bodyPr rtlCol="0" anchor="ctr"/>
-              <a:lstStyle/>
-              <a:p>
-                <a:pPr algn="ctr"/>
-                <a:endParaRPr lang="en-US" dirty="0"/>
-              </a:p>
-            </p:txBody>
-          </p:sp>
-        </p:grpSp>
-      </p:grpSp>
       <p:grpSp>
         <p:nvGrpSpPr>
           <p:cNvPr id="14" name="Group 13">
@@ -6583,90 +6393,169 @@
           </a:prstGeom>
         </p:spPr>
       </p:pic>
+      <p:grpSp>
+        <p:nvGrpSpPr>
+          <p:cNvPr id="5" name="Group 4">
+            <a:extLst>
+              <a:ext uri="{FF2B5EF4-FFF2-40B4-BE49-F238E27FC236}">
+                <a16:creationId xmlns:a16="http://schemas.microsoft.com/office/drawing/2014/main" id="{3E6D053F-E439-4652-839D-841A75879F60}"/>
+              </a:ext>
+            </a:extLst>
+          </p:cNvPr>
+          <p:cNvGrpSpPr/>
+          <p:nvPr/>
+        </p:nvGrpSpPr>
+        <p:grpSpPr>
+          <a:xfrm>
+            <a:off x="355499" y="0"/>
+            <a:ext cx="1498313" cy="633147"/>
+            <a:chOff x="843672" y="540620"/>
+            <a:chExt cx="1498313" cy="633147"/>
+          </a:xfrm>
+        </p:grpSpPr>
+        <p:sp>
+          <p:nvSpPr>
+            <p:cNvPr id="6" name="TextBox 5">
+              <a:extLst>
+                <a:ext uri="{FF2B5EF4-FFF2-40B4-BE49-F238E27FC236}">
+                  <a16:creationId xmlns:a16="http://schemas.microsoft.com/office/drawing/2014/main" id="{4716D398-4BC0-4AE2-A35D-24E82EC1AA0F}"/>
+                </a:ext>
+              </a:extLst>
+            </p:cNvPr>
+            <p:cNvSpPr txBox="1"/>
+            <p:nvPr/>
+          </p:nvSpPr>
+          <p:spPr>
+            <a:xfrm>
+              <a:off x="1257373" y="662767"/>
+              <a:ext cx="1004299" cy="369332"/>
+            </a:xfrm>
+            <a:prstGeom prst="rect">
+              <a:avLst/>
+            </a:prstGeom>
+            <a:noFill/>
+          </p:spPr>
+          <p:txBody>
+            <a:bodyPr wrap="square" rtlCol="0">
+              <a:spAutoFit/>
+            </a:bodyPr>
+            <a:lstStyle/>
+            <a:p>
+              <a:r>
+                <a:rPr lang="en-US" dirty="0">
+                  <a:solidFill>
+                    <a:srgbClr val="BFA458"/>
+                  </a:solidFill>
+                  <a:latin typeface="Arial Black" panose="020B0A04020102020204" pitchFamily="34" charset="0"/>
+                  <a:cs typeface="Aharoni" panose="02010803020104030203" pitchFamily="2" charset="-79"/>
+                </a:rPr>
+                <a:t>HOME</a:t>
+              </a:r>
+            </a:p>
+          </p:txBody>
+        </p:sp>
+        <p:pic>
+          <p:nvPicPr>
+            <p:cNvPr id="3" name="Graphic 2" descr="House">
+              <a:extLst>
+                <a:ext uri="{FF2B5EF4-FFF2-40B4-BE49-F238E27FC236}">
+                  <a16:creationId xmlns:a16="http://schemas.microsoft.com/office/drawing/2014/main" id="{8A23E44F-5801-4551-9A2B-8E132EFD93ED}"/>
+                </a:ext>
+              </a:extLst>
+            </p:cNvPr>
+            <p:cNvPicPr>
+              <a:picLocks noChangeAspect="1"/>
+            </p:cNvPicPr>
+            <p:nvPr/>
+          </p:nvPicPr>
+          <p:blipFill>
+            <a:blip r:embed="rId4">
+              <a:extLst>
+                <a:ext uri="{28A0092B-C50C-407E-A947-70E740481C1C}">
+                  <a14:useLocalDpi xmlns:a14="http://schemas.microsoft.com/office/drawing/2010/main" val="0"/>
+                </a:ext>
+                <a:ext uri="{96DAC541-7B7A-43D3-8B79-37D633B846F1}">
+                  <asvg:svgBlip xmlns:asvg="http://schemas.microsoft.com/office/drawing/2016/SVG/main" r:embed="rId5"/>
+                </a:ext>
+              </a:extLst>
+            </a:blip>
+            <a:stretch>
+              <a:fillRect/>
+            </a:stretch>
+          </p:blipFill>
+          <p:spPr>
+            <a:xfrm>
+              <a:off x="904863" y="650049"/>
+              <a:ext cx="369332" cy="369332"/>
+            </a:xfrm>
+            <a:prstGeom prst="rect">
+              <a:avLst/>
+            </a:prstGeom>
+          </p:spPr>
+        </p:pic>
+        <p:sp>
+          <p:nvSpPr>
+            <p:cNvPr id="72" name="Rectangle: Rounded Corners 71">
+              <a:extLst>
+                <a:ext uri="{FF2B5EF4-FFF2-40B4-BE49-F238E27FC236}">
+                  <a16:creationId xmlns:a16="http://schemas.microsoft.com/office/drawing/2014/main" id="{B10CC6DC-7FAD-4DE0-8757-5FEBB7DB618D}"/>
+                </a:ext>
+              </a:extLst>
+            </p:cNvPr>
+            <p:cNvSpPr/>
+            <p:nvPr/>
+          </p:nvSpPr>
+          <p:spPr>
+            <a:xfrm>
+              <a:off x="843672" y="540620"/>
+              <a:ext cx="1498313" cy="633147"/>
+            </a:xfrm>
+            <a:prstGeom prst="roundRect">
+              <a:avLst/>
+            </a:prstGeom>
+            <a:noFill/>
+            <a:ln w="25400">
+              <a:solidFill>
+                <a:srgbClr val="BFA458"/>
+              </a:solidFill>
+            </a:ln>
+          </p:spPr>
+          <p:style>
+            <a:lnRef idx="2">
+              <a:schemeClr val="accent1">
+                <a:shade val="50000"/>
+              </a:schemeClr>
+            </a:lnRef>
+            <a:fillRef idx="1">
+              <a:schemeClr val="accent1"/>
+            </a:fillRef>
+            <a:effectRef idx="0">
+              <a:schemeClr val="accent1"/>
+            </a:effectRef>
+            <a:fontRef idx="minor">
+              <a:schemeClr val="lt1"/>
+            </a:fontRef>
+          </p:style>
+          <p:txBody>
+            <a:bodyPr rtlCol="0" anchor="ctr"/>
+            <a:lstStyle/>
+            <a:p>
+              <a:pPr algn="ctr"/>
+              <a:endParaRPr lang="en-US" sz="1400" dirty="0">
+                <a:solidFill>
+                  <a:srgbClr val="BFA458"/>
+                </a:solidFill>
+                <a:latin typeface="Arial Black" panose="020B0A04020102020204" pitchFamily="34" charset="0"/>
+                <a:cs typeface="Aharoni" panose="02010803020104030203" pitchFamily="2" charset="-79"/>
+              </a:endParaRPr>
+            </a:p>
+          </p:txBody>
+        </p:sp>
+      </p:grpSp>
     </p:spTree>
     <p:extLst>
       <p:ext uri="{BB962C8B-B14F-4D97-AF65-F5344CB8AC3E}">
         <p14:creationId xmlns:p14="http://schemas.microsoft.com/office/powerpoint/2010/main" val="2981981243"/>
-      </p:ext>
-    </p:extLst>
-  </p:cSld>
-  <p:clrMapOvr>
-    <a:masterClrMapping/>
-  </p:clrMapOvr>
-</p:sld>
-</file>
-
-<file path=ppt/slides/slide2.xml><?xml version="1.0" encoding="utf-8"?>
-<p:sld xmlns:a="http://schemas.openxmlformats.org/drawingml/2006/main" xmlns:r="http://schemas.openxmlformats.org/officeDocument/2006/relationships" xmlns:p="http://schemas.openxmlformats.org/presentationml/2006/main">
-  <p:cSld>
-    <p:spTree>
-      <p:nvGrpSpPr>
-        <p:cNvPr id="1" name=""/>
-        <p:cNvGrpSpPr/>
-        <p:nvPr/>
-      </p:nvGrpSpPr>
-      <p:grpSpPr>
-        <a:xfrm>
-          <a:off x="0" y="0"/>
-          <a:ext cx="0" cy="0"/>
-          <a:chOff x="0" y="0"/>
-          <a:chExt cx="0" cy="0"/>
-        </a:xfrm>
-      </p:grpSpPr>
-      <p:sp>
-        <p:nvSpPr>
-          <p:cNvPr id="2" name="Title 1">
-            <a:extLst>
-              <a:ext uri="{FF2B5EF4-FFF2-40B4-BE49-F238E27FC236}">
-                <a16:creationId xmlns:a16="http://schemas.microsoft.com/office/drawing/2014/main" id="{0161F475-353C-4C0B-8EDF-BB3BFDB95D87}"/>
-              </a:ext>
-            </a:extLst>
-          </p:cNvPr>
-          <p:cNvSpPr>
-            <a:spLocks noGrp="1"/>
-          </p:cNvSpPr>
-          <p:nvPr>
-            <p:ph type="title"/>
-          </p:nvPr>
-        </p:nvSpPr>
-        <p:spPr/>
-        <p:txBody>
-          <a:bodyPr/>
-          <a:lstStyle/>
-          <a:p>
-            <a:endParaRPr lang="en-US"/>
-          </a:p>
-        </p:txBody>
-      </p:sp>
-      <p:sp>
-        <p:nvSpPr>
-          <p:cNvPr id="3" name="Content Placeholder 2">
-            <a:extLst>
-              <a:ext uri="{FF2B5EF4-FFF2-40B4-BE49-F238E27FC236}">
-                <a16:creationId xmlns:a16="http://schemas.microsoft.com/office/drawing/2014/main" id="{538BF795-113E-4190-88C4-2E3929111C58}"/>
-              </a:ext>
-            </a:extLst>
-          </p:cNvPr>
-          <p:cNvSpPr>
-            <a:spLocks noGrp="1"/>
-          </p:cNvSpPr>
-          <p:nvPr>
-            <p:ph idx="1"/>
-          </p:nvPr>
-        </p:nvSpPr>
-        <p:spPr/>
-        <p:txBody>
-          <a:bodyPr/>
-          <a:lstStyle/>
-          <a:p>
-            <a:endParaRPr lang="en-US"/>
-          </a:p>
-        </p:txBody>
-      </p:sp>
-    </p:spTree>
-    <p:extLst>
-      <p:ext uri="{BB962C8B-B14F-4D97-AF65-F5344CB8AC3E}">
-        <p14:creationId xmlns:p14="http://schemas.microsoft.com/office/powerpoint/2010/main" val="2557479388"/>
       </p:ext>
     </p:extLst>
   </p:cSld>
